--- a/Oblig 0/Datastruktur.pptx
+++ b/Oblig 0/Datastruktur.pptx
@@ -3140,14 +3140,14 @@
           </a:ln>
         </p:spPr>
         <p:style>
-          <a:lnRef idx="2">
-            <a:schemeClr val="dk1"/>
+          <a:lnRef idx="1">
+            <a:schemeClr val="accent1"/>
           </a:lnRef>
           <a:fillRef idx="0">
-            <a:schemeClr val="dk1"/>
+            <a:schemeClr val="accent1"/>
           </a:fillRef>
-          <a:effectRef idx="1">
-            <a:schemeClr val="dk1"/>
+          <a:effectRef idx="0">
+            <a:schemeClr val="accent1"/>
           </a:effectRef>
           <a:fontRef idx="minor">
             <a:schemeClr val="tx1"/>
@@ -3340,14 +3340,14 @@
           </a:ln>
         </p:spPr>
         <p:style>
-          <a:lnRef idx="2">
-            <a:schemeClr val="dk1"/>
+          <a:lnRef idx="1">
+            <a:schemeClr val="accent1"/>
           </a:lnRef>
           <a:fillRef idx="0">
-            <a:schemeClr val="dk1"/>
+            <a:schemeClr val="accent1"/>
           </a:fillRef>
-          <a:effectRef idx="1">
-            <a:schemeClr val="dk1"/>
+          <a:effectRef idx="0">
+            <a:schemeClr val="accent1"/>
           </a:effectRef>
           <a:fontRef idx="minor">
             <a:schemeClr val="tx1"/>

--- a/Oblig 0/Datastruktur.pptx
+++ b/Oblig 0/Datastruktur.pptx
@@ -6,6 +6,8 @@
   </p:sldMasterIdLst>
   <p:sldIdLst>
     <p:sldId id="256" r:id="rId2"/>
+    <p:sldId id="258" r:id="rId3"/>
+    <p:sldId id="257" r:id="rId4"/>
   </p:sldIdLst>
   <p:sldSz cx="12192000" cy="6858000"/>
   <p:notesSz cx="6858000" cy="9144000"/>
@@ -104,6 +106,11 @@
       </a:defRPr>
     </a:lvl9pPr>
   </p:defaultTextStyle>
+  <p:extLst>
+    <p:ext uri="{EFAFB233-063F-42B5-8137-9DF3F51BA10A}">
+      <p15:sldGuideLst xmlns:p15="http://schemas.microsoft.com/office/powerpoint/2012/main"/>
+    </p:ext>
+  </p:extLst>
 </p:presentation>
 </file>
 
@@ -3516,6 +3523,2160 @@
 </p:sld>
 </file>
 
+<file path=ppt/slides/slide2.xml><?xml version="1.0" encoding="utf-8"?>
+<p:sld xmlns:a="http://schemas.openxmlformats.org/drawingml/2006/main" xmlns:r="http://schemas.openxmlformats.org/officeDocument/2006/relationships" xmlns:p="http://schemas.openxmlformats.org/presentationml/2006/main">
+  <p:cSld>
+    <p:spTree>
+      <p:nvGrpSpPr>
+        <p:cNvPr id="1" name=""/>
+        <p:cNvGrpSpPr/>
+        <p:nvPr/>
+      </p:nvGrpSpPr>
+      <p:grpSpPr>
+        <a:xfrm>
+          <a:off x="0" y="0"/>
+          <a:ext cx="0" cy="0"/>
+          <a:chOff x="0" y="0"/>
+          <a:chExt cx="0" cy="0"/>
+        </a:xfrm>
+      </p:grpSpPr>
+      <p:grpSp>
+        <p:nvGrpSpPr>
+          <p:cNvPr id="4" name="Gruppe 3"/>
+          <p:cNvGrpSpPr/>
+          <p:nvPr/>
+        </p:nvGrpSpPr>
+        <p:grpSpPr>
+          <a:xfrm>
+            <a:off x="1094014" y="628390"/>
+            <a:ext cx="4465865" cy="2261767"/>
+            <a:chOff x="1094014" y="628390"/>
+            <a:chExt cx="4465865" cy="2261767"/>
+          </a:xfrm>
+        </p:grpSpPr>
+        <p:sp>
+          <p:nvSpPr>
+            <p:cNvPr id="5" name="Avrundet rektangel 4"/>
+            <p:cNvSpPr/>
+            <p:nvPr/>
+          </p:nvSpPr>
+          <p:spPr>
+            <a:xfrm>
+              <a:off x="1094014" y="938893"/>
+              <a:ext cx="4465865" cy="1951264"/>
+            </a:xfrm>
+            <a:prstGeom prst="roundRect">
+              <a:avLst/>
+            </a:prstGeom>
+            <a:ln>
+              <a:solidFill>
+                <a:schemeClr val="accent1"/>
+              </a:solidFill>
+              <a:prstDash val="sysDash"/>
+            </a:ln>
+          </p:spPr>
+          <p:style>
+            <a:lnRef idx="2">
+              <a:schemeClr val="accent1"/>
+            </a:lnRef>
+            <a:fillRef idx="1">
+              <a:schemeClr val="lt1"/>
+            </a:fillRef>
+            <a:effectRef idx="0">
+              <a:schemeClr val="accent1"/>
+            </a:effectRef>
+            <a:fontRef idx="minor">
+              <a:schemeClr val="dk1"/>
+            </a:fontRef>
+          </p:style>
+          <p:txBody>
+            <a:bodyPr rtlCol="0" anchor="t"/>
+            <a:lstStyle/>
+            <a:p>
+              <a:endParaRPr lang="en-US" sz="1200" dirty="0"/>
+            </a:p>
+          </p:txBody>
+        </p:sp>
+        <p:sp>
+          <p:nvSpPr>
+            <p:cNvPr id="6" name="TekstSylinder 5"/>
+            <p:cNvSpPr txBox="1"/>
+            <p:nvPr/>
+          </p:nvSpPr>
+          <p:spPr>
+            <a:xfrm>
+              <a:off x="1094014" y="628390"/>
+              <a:ext cx="4408715" cy="307777"/>
+            </a:xfrm>
+            <a:prstGeom prst="rect">
+              <a:avLst/>
+            </a:prstGeom>
+            <a:noFill/>
+          </p:spPr>
+          <p:txBody>
+            <a:bodyPr wrap="square" rtlCol="0">
+              <a:spAutoFit/>
+            </a:bodyPr>
+            <a:lstStyle/>
+            <a:p>
+              <a:r>
+                <a:rPr lang="en-US" sz="1400" dirty="0" err="1" smtClean="0"/>
+                <a:t>Klassedatastruktur</a:t>
+              </a:r>
+              <a:endParaRPr lang="nb-NO" sz="1400" dirty="0"/>
+            </a:p>
+          </p:txBody>
+        </p:sp>
+      </p:grpSp>
+      <p:grpSp>
+        <p:nvGrpSpPr>
+          <p:cNvPr id="7" name="Gruppe 6"/>
+          <p:cNvGrpSpPr/>
+          <p:nvPr/>
+        </p:nvGrpSpPr>
+        <p:grpSpPr>
+          <a:xfrm>
+            <a:off x="1036864" y="3167482"/>
+            <a:ext cx="4465865" cy="2261768"/>
+            <a:chOff x="6414406" y="628389"/>
+            <a:chExt cx="4465865" cy="2261768"/>
+          </a:xfrm>
+        </p:grpSpPr>
+        <p:sp>
+          <p:nvSpPr>
+            <p:cNvPr id="8" name="Avrundet rektangel 7"/>
+            <p:cNvSpPr/>
+            <p:nvPr/>
+          </p:nvSpPr>
+          <p:spPr>
+            <a:xfrm>
+              <a:off x="6414406" y="938893"/>
+              <a:ext cx="4465865" cy="1951264"/>
+            </a:xfrm>
+            <a:prstGeom prst="roundRect">
+              <a:avLst/>
+            </a:prstGeom>
+            <a:ln>
+              <a:solidFill>
+                <a:schemeClr val="accent1"/>
+              </a:solidFill>
+              <a:prstDash val="solid"/>
+            </a:ln>
+          </p:spPr>
+          <p:style>
+            <a:lnRef idx="2">
+              <a:schemeClr val="accent1"/>
+            </a:lnRef>
+            <a:fillRef idx="1">
+              <a:schemeClr val="lt1"/>
+            </a:fillRef>
+            <a:effectRef idx="0">
+              <a:schemeClr val="accent1"/>
+            </a:effectRef>
+            <a:fontRef idx="minor">
+              <a:schemeClr val="dk1"/>
+            </a:fontRef>
+          </p:style>
+          <p:txBody>
+            <a:bodyPr rtlCol="0" anchor="ctr"/>
+            <a:lstStyle/>
+            <a:p>
+              <a:pPr algn="ctr"/>
+              <a:endParaRPr lang="nb-NO"/>
+            </a:p>
+          </p:txBody>
+        </p:sp>
+        <p:sp>
+          <p:nvSpPr>
+            <p:cNvPr id="9" name="TekstSylinder 8"/>
+            <p:cNvSpPr txBox="1"/>
+            <p:nvPr/>
+          </p:nvSpPr>
+          <p:spPr>
+            <a:xfrm>
+              <a:off x="6414406" y="628389"/>
+              <a:ext cx="4408715" cy="307777"/>
+            </a:xfrm>
+            <a:prstGeom prst="rect">
+              <a:avLst/>
+            </a:prstGeom>
+            <a:noFill/>
+          </p:spPr>
+          <p:txBody>
+            <a:bodyPr wrap="square" rtlCol="0">
+              <a:spAutoFit/>
+            </a:bodyPr>
+            <a:lstStyle/>
+            <a:p>
+              <a:r>
+                <a:rPr lang="en-US" sz="1400" dirty="0" err="1" smtClean="0"/>
+                <a:t>objekt</a:t>
+              </a:r>
+              <a:endParaRPr lang="nb-NO" sz="1400" dirty="0"/>
+            </a:p>
+          </p:txBody>
+        </p:sp>
+      </p:grpSp>
+      <p:grpSp>
+        <p:nvGrpSpPr>
+          <p:cNvPr id="13" name="Gruppe 12"/>
+          <p:cNvGrpSpPr/>
+          <p:nvPr/>
+        </p:nvGrpSpPr>
+        <p:grpSpPr>
+          <a:xfrm>
+            <a:off x="6174921" y="730566"/>
+            <a:ext cx="4460421" cy="1292663"/>
+            <a:chOff x="966107" y="987222"/>
+            <a:chExt cx="4460421" cy="1292663"/>
+          </a:xfrm>
+        </p:grpSpPr>
+        <p:grpSp>
+          <p:nvGrpSpPr>
+            <p:cNvPr id="14" name="Gruppe 13"/>
+            <p:cNvGrpSpPr/>
+            <p:nvPr/>
+          </p:nvGrpSpPr>
+          <p:grpSpPr>
+            <a:xfrm>
+              <a:off x="966107" y="1264222"/>
+              <a:ext cx="4460421" cy="1015663"/>
+              <a:chOff x="966107" y="1133598"/>
+              <a:chExt cx="4460421" cy="1015663"/>
+            </a:xfrm>
+          </p:grpSpPr>
+          <p:sp>
+            <p:nvSpPr>
+              <p:cNvPr id="16" name="TekstSylinder 15"/>
+              <p:cNvSpPr txBox="1"/>
+              <p:nvPr/>
+            </p:nvSpPr>
+            <p:spPr>
+              <a:xfrm>
+                <a:off x="1227364" y="1133598"/>
+                <a:ext cx="4199164" cy="1015663"/>
+              </a:xfrm>
+              <a:prstGeom prst="rect">
+                <a:avLst/>
+              </a:prstGeom>
+              <a:noFill/>
+              <a:ln>
+                <a:solidFill>
+                  <a:schemeClr val="accent1"/>
+                </a:solidFill>
+              </a:ln>
+            </p:spPr>
+            <p:txBody>
+              <a:bodyPr wrap="square" rtlCol="0">
+                <a:spAutoFit/>
+              </a:bodyPr>
+              <a:lstStyle/>
+              <a:p>
+                <a:endParaRPr lang="en-US" sz="1200" dirty="0"/>
+              </a:p>
+              <a:p>
+                <a:endParaRPr lang="en-US" sz="1200" dirty="0" smtClean="0"/>
+              </a:p>
+              <a:p>
+                <a:r>
+                  <a:rPr lang="nb-NO" sz="1200" dirty="0"/>
+                  <a:t>Bil3 bil = </a:t>
+                </a:r>
+                <a:r>
+                  <a:rPr lang="nb-NO" sz="1200" dirty="0" err="1"/>
+                  <a:t>new</a:t>
+                </a:r>
+                <a:r>
+                  <a:rPr lang="nb-NO" sz="1200" dirty="0"/>
+                  <a:t> Bil3("YE23456");</a:t>
+                </a:r>
+              </a:p>
+              <a:p>
+                <a:r>
+                  <a:rPr lang="nb-NO" sz="1200" dirty="0" smtClean="0"/>
+                  <a:t>Person </a:t>
+                </a:r>
+                <a:r>
+                  <a:rPr lang="nb-NO" sz="1200" dirty="0"/>
+                  <a:t>eier = </a:t>
+                </a:r>
+                <a:r>
+                  <a:rPr lang="nb-NO" sz="1200" dirty="0" err="1"/>
+                  <a:t>new</a:t>
+                </a:r>
+                <a:r>
+                  <a:rPr lang="nb-NO" sz="1200" dirty="0"/>
+                  <a:t> Person("Ola Dunk", bil);</a:t>
+                </a:r>
+              </a:p>
+              <a:p>
+                <a:r>
+                  <a:rPr lang="nb-NO" sz="1200" dirty="0" err="1" smtClean="0"/>
+                  <a:t>eier.skrivUtBilNummer</a:t>
+                </a:r>
+                <a:r>
+                  <a:rPr lang="nb-NO" sz="1200" dirty="0"/>
+                  <a:t>();</a:t>
+                </a:r>
+              </a:p>
+            </p:txBody>
+          </p:sp>
+          <p:cxnSp>
+            <p:nvCxnSpPr>
+              <p:cNvPr id="17" name="Rett linje 16"/>
+              <p:cNvCxnSpPr/>
+              <p:nvPr/>
+            </p:nvCxnSpPr>
+            <p:spPr>
+              <a:xfrm flipH="1">
+                <a:off x="966107" y="1133598"/>
+                <a:ext cx="457200" cy="0"/>
+              </a:xfrm>
+              <a:prstGeom prst="line">
+                <a:avLst/>
+              </a:prstGeom>
+              <a:ln>
+                <a:solidFill>
+                  <a:schemeClr val="accent1"/>
+                </a:solidFill>
+              </a:ln>
+            </p:spPr>
+            <p:style>
+              <a:lnRef idx="1">
+                <a:schemeClr val="accent1"/>
+              </a:lnRef>
+              <a:fillRef idx="0">
+                <a:schemeClr val="accent1"/>
+              </a:fillRef>
+              <a:effectRef idx="0">
+                <a:schemeClr val="accent1"/>
+              </a:effectRef>
+              <a:fontRef idx="minor">
+                <a:schemeClr val="tx1"/>
+              </a:fontRef>
+            </p:style>
+          </p:cxnSp>
+        </p:grpSp>
+        <p:sp>
+          <p:nvSpPr>
+            <p:cNvPr id="15" name="TekstSylinder 14"/>
+            <p:cNvSpPr txBox="1"/>
+            <p:nvPr/>
+          </p:nvSpPr>
+          <p:spPr>
+            <a:xfrm>
+              <a:off x="1227364" y="987222"/>
+              <a:ext cx="4199164" cy="276999"/>
+            </a:xfrm>
+            <a:prstGeom prst="rect">
+              <a:avLst/>
+            </a:prstGeom>
+            <a:noFill/>
+          </p:spPr>
+          <p:txBody>
+            <a:bodyPr wrap="square" rtlCol="0">
+              <a:spAutoFit/>
+            </a:bodyPr>
+            <a:lstStyle/>
+            <a:p>
+              <a:r>
+                <a:rPr lang="en-US" sz="1200" dirty="0"/>
+                <a:t>public </a:t>
+              </a:r>
+              <a:r>
+                <a:rPr lang="en-US" sz="1200" dirty="0" err="1" smtClean="0"/>
+                <a:t>metode</a:t>
+              </a:r>
+              <a:endParaRPr lang="en-US" sz="1200" dirty="0"/>
+            </a:p>
+          </p:txBody>
+        </p:sp>
+      </p:grpSp>
+      <p:grpSp>
+        <p:nvGrpSpPr>
+          <p:cNvPr id="22" name="Gruppe 21"/>
+          <p:cNvGrpSpPr/>
+          <p:nvPr/>
+        </p:nvGrpSpPr>
+        <p:grpSpPr>
+          <a:xfrm>
+            <a:off x="6988627" y="2809100"/>
+            <a:ext cx="1020537" cy="709707"/>
+            <a:chOff x="6988627" y="2809100"/>
+            <a:chExt cx="1020537" cy="709707"/>
+          </a:xfrm>
+        </p:grpSpPr>
+        <p:sp>
+          <p:nvSpPr>
+            <p:cNvPr id="18" name="Rektangel 17"/>
+            <p:cNvSpPr/>
+            <p:nvPr/>
+          </p:nvSpPr>
+          <p:spPr>
+            <a:xfrm>
+              <a:off x="6988629" y="3086099"/>
+              <a:ext cx="1020535" cy="187779"/>
+            </a:xfrm>
+            <a:prstGeom prst="rect">
+              <a:avLst/>
+            </a:prstGeom>
+            <a:ln>
+              <a:solidFill>
+                <a:schemeClr val="accent1"/>
+              </a:solidFill>
+            </a:ln>
+          </p:spPr>
+          <p:style>
+            <a:lnRef idx="2">
+              <a:schemeClr val="dk1"/>
+            </a:lnRef>
+            <a:fillRef idx="1">
+              <a:schemeClr val="lt1"/>
+            </a:fillRef>
+            <a:effectRef idx="0">
+              <a:schemeClr val="dk1"/>
+            </a:effectRef>
+            <a:fontRef idx="minor">
+              <a:schemeClr val="dk1"/>
+            </a:fontRef>
+          </p:style>
+          <p:txBody>
+            <a:bodyPr rtlCol="0" anchor="ctr"/>
+            <a:lstStyle/>
+            <a:p>
+              <a:pPr algn="ctr"/>
+              <a:endParaRPr lang="nb-NO"/>
+            </a:p>
+          </p:txBody>
+        </p:sp>
+        <p:sp>
+          <p:nvSpPr>
+            <p:cNvPr id="19" name="TekstSylinder 18"/>
+            <p:cNvSpPr txBox="1"/>
+            <p:nvPr/>
+          </p:nvSpPr>
+          <p:spPr>
+            <a:xfrm>
+              <a:off x="6988627" y="2809100"/>
+              <a:ext cx="1020535" cy="276999"/>
+            </a:xfrm>
+            <a:prstGeom prst="rect">
+              <a:avLst/>
+            </a:prstGeom>
+            <a:noFill/>
+          </p:spPr>
+          <p:txBody>
+            <a:bodyPr wrap="square" rtlCol="0">
+              <a:spAutoFit/>
+            </a:bodyPr>
+            <a:lstStyle/>
+            <a:p>
+              <a:r>
+                <a:rPr lang="en-US" sz="1200" dirty="0" err="1"/>
+                <a:t>n</a:t>
+              </a:r>
+              <a:r>
+                <a:rPr lang="en-US" sz="1200" dirty="0" err="1" smtClean="0"/>
+                <a:t>avn</a:t>
+              </a:r>
+              <a:r>
+                <a:rPr lang="en-US" sz="1200" dirty="0" smtClean="0"/>
+                <a:t>:</a:t>
+              </a:r>
+              <a:endParaRPr lang="nb-NO" dirty="0"/>
+            </a:p>
+          </p:txBody>
+        </p:sp>
+        <p:sp>
+          <p:nvSpPr>
+            <p:cNvPr id="20" name="TekstSylinder 19"/>
+            <p:cNvSpPr txBox="1"/>
+            <p:nvPr/>
+          </p:nvSpPr>
+          <p:spPr>
+            <a:xfrm>
+              <a:off x="6988628" y="3241808"/>
+              <a:ext cx="1020535" cy="276999"/>
+            </a:xfrm>
+            <a:prstGeom prst="rect">
+              <a:avLst/>
+            </a:prstGeom>
+            <a:noFill/>
+          </p:spPr>
+          <p:txBody>
+            <a:bodyPr wrap="square" rtlCol="0">
+              <a:spAutoFit/>
+            </a:bodyPr>
+            <a:lstStyle/>
+            <a:p>
+              <a:r>
+                <a:rPr lang="en-US" sz="1200" dirty="0" smtClean="0"/>
+                <a:t>type:</a:t>
+              </a:r>
+              <a:endParaRPr lang="nb-NO" dirty="0"/>
+            </a:p>
+          </p:txBody>
+        </p:sp>
+      </p:grpSp>
+    </p:spTree>
+    <p:extLst>
+      <p:ext uri="{BB962C8B-B14F-4D97-AF65-F5344CB8AC3E}">
+        <p14:creationId xmlns:p14="http://schemas.microsoft.com/office/powerpoint/2010/main" val="1239034921"/>
+      </p:ext>
+    </p:extLst>
+  </p:cSld>
+  <p:clrMapOvr>
+    <a:masterClrMapping/>
+  </p:clrMapOvr>
+</p:sld>
+</file>
+
+<file path=ppt/slides/slide3.xml><?xml version="1.0" encoding="utf-8"?>
+<p:sld xmlns:a="http://schemas.openxmlformats.org/drawingml/2006/main" xmlns:r="http://schemas.openxmlformats.org/officeDocument/2006/relationships" xmlns:p="http://schemas.openxmlformats.org/presentationml/2006/main">
+  <p:cSld>
+    <p:spTree>
+      <p:nvGrpSpPr>
+        <p:cNvPr id="1" name=""/>
+        <p:cNvGrpSpPr/>
+        <p:nvPr/>
+      </p:nvGrpSpPr>
+      <p:grpSpPr>
+        <a:xfrm>
+          <a:off x="0" y="0"/>
+          <a:ext cx="0" cy="0"/>
+          <a:chOff x="0" y="0"/>
+          <a:chExt cx="0" cy="0"/>
+        </a:xfrm>
+      </p:grpSpPr>
+      <p:grpSp>
+        <p:nvGrpSpPr>
+          <p:cNvPr id="73" name="Gruppe 72"/>
+          <p:cNvGrpSpPr/>
+          <p:nvPr/>
+        </p:nvGrpSpPr>
+        <p:grpSpPr>
+          <a:xfrm>
+            <a:off x="3442616" y="4025465"/>
+            <a:ext cx="4465865" cy="2261768"/>
+            <a:chOff x="6414406" y="628389"/>
+            <a:chExt cx="4465865" cy="2261768"/>
+          </a:xfrm>
+        </p:grpSpPr>
+        <p:sp>
+          <p:nvSpPr>
+            <p:cNvPr id="74" name="Avrundet rektangel 73"/>
+            <p:cNvSpPr/>
+            <p:nvPr/>
+          </p:nvSpPr>
+          <p:spPr>
+            <a:xfrm>
+              <a:off x="6414406" y="938893"/>
+              <a:ext cx="4465865" cy="1951264"/>
+            </a:xfrm>
+            <a:prstGeom prst="roundRect">
+              <a:avLst/>
+            </a:prstGeom>
+            <a:ln>
+              <a:solidFill>
+                <a:schemeClr val="accent1"/>
+              </a:solidFill>
+              <a:prstDash val="solid"/>
+            </a:ln>
+          </p:spPr>
+          <p:style>
+            <a:lnRef idx="2">
+              <a:schemeClr val="accent1"/>
+            </a:lnRef>
+            <a:fillRef idx="1">
+              <a:schemeClr val="lt1"/>
+            </a:fillRef>
+            <a:effectRef idx="0">
+              <a:schemeClr val="accent1"/>
+            </a:effectRef>
+            <a:fontRef idx="minor">
+              <a:schemeClr val="dk1"/>
+            </a:fontRef>
+          </p:style>
+          <p:txBody>
+            <a:bodyPr rtlCol="0" anchor="ctr"/>
+            <a:lstStyle/>
+            <a:p>
+              <a:pPr algn="ctr"/>
+              <a:endParaRPr lang="nb-NO"/>
+            </a:p>
+          </p:txBody>
+        </p:sp>
+        <p:sp>
+          <p:nvSpPr>
+            <p:cNvPr id="75" name="TekstSylinder 74"/>
+            <p:cNvSpPr txBox="1"/>
+            <p:nvPr/>
+          </p:nvSpPr>
+          <p:spPr>
+            <a:xfrm>
+              <a:off x="6414406" y="628389"/>
+              <a:ext cx="4408715" cy="307777"/>
+            </a:xfrm>
+            <a:prstGeom prst="rect">
+              <a:avLst/>
+            </a:prstGeom>
+            <a:noFill/>
+          </p:spPr>
+          <p:txBody>
+            <a:bodyPr wrap="square" rtlCol="0">
+              <a:spAutoFit/>
+            </a:bodyPr>
+            <a:lstStyle/>
+            <a:p>
+              <a:r>
+                <a:rPr lang="en-US" sz="1400" dirty="0" smtClean="0"/>
+                <a:t>Person</a:t>
+              </a:r>
+              <a:endParaRPr lang="nb-NO" sz="1400" dirty="0"/>
+            </a:p>
+          </p:txBody>
+        </p:sp>
+      </p:grpSp>
+      <p:grpSp>
+        <p:nvGrpSpPr>
+          <p:cNvPr id="37" name="Gruppe 36"/>
+          <p:cNvGrpSpPr/>
+          <p:nvPr/>
+        </p:nvGrpSpPr>
+        <p:grpSpPr>
+          <a:xfrm>
+            <a:off x="610967" y="484536"/>
+            <a:ext cx="4465865" cy="2261767"/>
+            <a:chOff x="1094014" y="628390"/>
+            <a:chExt cx="4465865" cy="2261767"/>
+          </a:xfrm>
+        </p:grpSpPr>
+        <p:sp>
+          <p:nvSpPr>
+            <p:cNvPr id="4" name="Avrundet rektangel 3"/>
+            <p:cNvSpPr/>
+            <p:nvPr/>
+          </p:nvSpPr>
+          <p:spPr>
+            <a:xfrm>
+              <a:off x="1094014" y="938893"/>
+              <a:ext cx="4465865" cy="1951264"/>
+            </a:xfrm>
+            <a:prstGeom prst="roundRect">
+              <a:avLst/>
+            </a:prstGeom>
+            <a:ln>
+              <a:solidFill>
+                <a:schemeClr val="accent1"/>
+              </a:solidFill>
+              <a:prstDash val="sysDash"/>
+            </a:ln>
+          </p:spPr>
+          <p:style>
+            <a:lnRef idx="2">
+              <a:schemeClr val="accent1"/>
+            </a:lnRef>
+            <a:fillRef idx="1">
+              <a:schemeClr val="lt1"/>
+            </a:fillRef>
+            <a:effectRef idx="0">
+              <a:schemeClr val="accent1"/>
+            </a:effectRef>
+            <a:fontRef idx="minor">
+              <a:schemeClr val="dk1"/>
+            </a:fontRef>
+          </p:style>
+          <p:txBody>
+            <a:bodyPr rtlCol="0" anchor="t"/>
+            <a:lstStyle/>
+            <a:p>
+              <a:endParaRPr lang="en-US" sz="1200" dirty="0"/>
+            </a:p>
+          </p:txBody>
+        </p:sp>
+        <p:sp>
+          <p:nvSpPr>
+            <p:cNvPr id="6" name="TekstSylinder 5"/>
+            <p:cNvSpPr txBox="1"/>
+            <p:nvPr/>
+          </p:nvSpPr>
+          <p:spPr>
+            <a:xfrm>
+              <a:off x="1094014" y="628390"/>
+              <a:ext cx="4408715" cy="307777"/>
+            </a:xfrm>
+            <a:prstGeom prst="rect">
+              <a:avLst/>
+            </a:prstGeom>
+            <a:noFill/>
+          </p:spPr>
+          <p:txBody>
+            <a:bodyPr wrap="square" rtlCol="0">
+              <a:spAutoFit/>
+            </a:bodyPr>
+            <a:lstStyle/>
+            <a:p>
+              <a:r>
+                <a:rPr lang="en-US" sz="1400" dirty="0" smtClean="0"/>
+                <a:t>Bilbruk3</a:t>
+              </a:r>
+              <a:endParaRPr lang="nb-NO" sz="1400" dirty="0"/>
+            </a:p>
+          </p:txBody>
+        </p:sp>
+      </p:grpSp>
+      <p:sp>
+        <p:nvSpPr>
+          <p:cNvPr id="16" name="Avrundet rektangel 15"/>
+          <p:cNvSpPr/>
+          <p:nvPr/>
+        </p:nvSpPr>
+        <p:spPr>
+          <a:xfrm>
+            <a:off x="6414406" y="904523"/>
+            <a:ext cx="4465865" cy="2189742"/>
+          </a:xfrm>
+          <a:prstGeom prst="roundRect">
+            <a:avLst/>
+          </a:prstGeom>
+          <a:ln>
+            <a:solidFill>
+              <a:schemeClr val="accent1"/>
+            </a:solidFill>
+            <a:prstDash val="solid"/>
+          </a:ln>
+        </p:spPr>
+        <p:style>
+          <a:lnRef idx="2">
+            <a:schemeClr val="accent1"/>
+          </a:lnRef>
+          <a:fillRef idx="1">
+            <a:schemeClr val="lt1"/>
+          </a:fillRef>
+          <a:effectRef idx="0">
+            <a:schemeClr val="accent1"/>
+          </a:effectRef>
+          <a:fontRef idx="minor">
+            <a:schemeClr val="dk1"/>
+          </a:fontRef>
+        </p:style>
+        <p:txBody>
+          <a:bodyPr rtlCol="0" anchor="ctr"/>
+          <a:lstStyle/>
+          <a:p>
+            <a:pPr algn="ctr"/>
+            <a:endParaRPr lang="nb-NO"/>
+          </a:p>
+        </p:txBody>
+      </p:sp>
+      <p:sp>
+        <p:nvSpPr>
+          <p:cNvPr id="17" name="TekstSylinder 16"/>
+          <p:cNvSpPr txBox="1"/>
+          <p:nvPr/>
+        </p:nvSpPr>
+        <p:spPr>
+          <a:xfrm>
+            <a:off x="6414407" y="628389"/>
+            <a:ext cx="4465864" cy="307777"/>
+          </a:xfrm>
+          <a:prstGeom prst="rect">
+            <a:avLst/>
+          </a:prstGeom>
+          <a:noFill/>
+        </p:spPr>
+        <p:txBody>
+          <a:bodyPr wrap="square" rtlCol="0">
+            <a:spAutoFit/>
+          </a:bodyPr>
+          <a:lstStyle/>
+          <a:p>
+            <a:r>
+              <a:rPr lang="en-US" sz="1400" dirty="0" smtClean="0"/>
+              <a:t>Bil3</a:t>
+            </a:r>
+            <a:endParaRPr lang="nb-NO" sz="1400" dirty="0"/>
+          </a:p>
+        </p:txBody>
+      </p:sp>
+      <p:grpSp>
+        <p:nvGrpSpPr>
+          <p:cNvPr id="36" name="Gruppe 35"/>
+          <p:cNvGrpSpPr/>
+          <p:nvPr/>
+        </p:nvGrpSpPr>
+        <p:grpSpPr>
+          <a:xfrm>
+            <a:off x="483060" y="843368"/>
+            <a:ext cx="4460421" cy="1846660"/>
+            <a:chOff x="966107" y="987222"/>
+            <a:chExt cx="4460421" cy="1846660"/>
+          </a:xfrm>
+        </p:grpSpPr>
+        <p:grpSp>
+          <p:nvGrpSpPr>
+            <p:cNvPr id="30" name="Gruppe 29"/>
+            <p:cNvGrpSpPr/>
+            <p:nvPr/>
+          </p:nvGrpSpPr>
+          <p:grpSpPr>
+            <a:xfrm>
+              <a:off x="966107" y="1264222"/>
+              <a:ext cx="4460421" cy="1569660"/>
+              <a:chOff x="966107" y="1133598"/>
+              <a:chExt cx="4460421" cy="1569660"/>
+            </a:xfrm>
+          </p:grpSpPr>
+          <p:sp>
+            <p:nvSpPr>
+              <p:cNvPr id="7" name="TekstSylinder 6"/>
+              <p:cNvSpPr txBox="1"/>
+              <p:nvPr/>
+            </p:nvSpPr>
+            <p:spPr>
+              <a:xfrm>
+                <a:off x="1227364" y="1133598"/>
+                <a:ext cx="4199164" cy="1569660"/>
+              </a:xfrm>
+              <a:prstGeom prst="rect">
+                <a:avLst/>
+              </a:prstGeom>
+              <a:noFill/>
+              <a:ln>
+                <a:solidFill>
+                  <a:schemeClr val="accent1"/>
+                </a:solidFill>
+              </a:ln>
+            </p:spPr>
+            <p:txBody>
+              <a:bodyPr wrap="square" rtlCol="0">
+                <a:spAutoFit/>
+              </a:bodyPr>
+              <a:lstStyle/>
+              <a:p>
+                <a:endParaRPr lang="en-US" sz="1200" dirty="0"/>
+              </a:p>
+              <a:p>
+                <a:endParaRPr lang="en-US" sz="1200" dirty="0" smtClean="0"/>
+              </a:p>
+              <a:p>
+                <a:endParaRPr lang="en-US" sz="1200" dirty="0"/>
+              </a:p>
+              <a:p>
+                <a:endParaRPr lang="en-US" sz="1200" dirty="0" smtClean="0"/>
+              </a:p>
+              <a:p>
+                <a:endParaRPr lang="en-US" sz="1200" dirty="0" smtClean="0"/>
+              </a:p>
+              <a:p>
+                <a:r>
+                  <a:rPr lang="nb-NO" sz="1200" dirty="0"/>
+                  <a:t>Bil3 bil = </a:t>
+                </a:r>
+                <a:r>
+                  <a:rPr lang="nb-NO" sz="1200" dirty="0" err="1"/>
+                  <a:t>new</a:t>
+                </a:r>
+                <a:r>
+                  <a:rPr lang="nb-NO" sz="1200" dirty="0"/>
+                  <a:t> Bil3("YE23456");</a:t>
+                </a:r>
+              </a:p>
+              <a:p>
+                <a:r>
+                  <a:rPr lang="nb-NO" sz="1200" dirty="0" smtClean="0"/>
+                  <a:t>Person </a:t>
+                </a:r>
+                <a:r>
+                  <a:rPr lang="nb-NO" sz="1200" dirty="0"/>
+                  <a:t>eier = </a:t>
+                </a:r>
+                <a:r>
+                  <a:rPr lang="nb-NO" sz="1200" dirty="0" err="1"/>
+                  <a:t>new</a:t>
+                </a:r>
+                <a:r>
+                  <a:rPr lang="nb-NO" sz="1200" dirty="0"/>
+                  <a:t> Person("Ola Dunk", bil);</a:t>
+                </a:r>
+              </a:p>
+              <a:p>
+                <a:r>
+                  <a:rPr lang="nb-NO" sz="1200" dirty="0" err="1" smtClean="0"/>
+                  <a:t>eier.skrivUtBilNummer</a:t>
+                </a:r>
+                <a:r>
+                  <a:rPr lang="nb-NO" sz="1200" dirty="0"/>
+                  <a:t>();</a:t>
+                </a:r>
+              </a:p>
+            </p:txBody>
+          </p:sp>
+          <p:cxnSp>
+            <p:nvCxnSpPr>
+              <p:cNvPr id="25" name="Rett linje 24"/>
+              <p:cNvCxnSpPr/>
+              <p:nvPr/>
+            </p:nvCxnSpPr>
+            <p:spPr>
+              <a:xfrm flipH="1">
+                <a:off x="966107" y="1133598"/>
+                <a:ext cx="457200" cy="0"/>
+              </a:xfrm>
+              <a:prstGeom prst="line">
+                <a:avLst/>
+              </a:prstGeom>
+              <a:ln>
+                <a:solidFill>
+                  <a:schemeClr val="accent1"/>
+                </a:solidFill>
+              </a:ln>
+            </p:spPr>
+            <p:style>
+              <a:lnRef idx="1">
+                <a:schemeClr val="accent1"/>
+              </a:lnRef>
+              <a:fillRef idx="0">
+                <a:schemeClr val="accent1"/>
+              </a:fillRef>
+              <a:effectRef idx="0">
+                <a:schemeClr val="accent1"/>
+              </a:effectRef>
+              <a:fontRef idx="minor">
+                <a:schemeClr val="tx1"/>
+              </a:fontRef>
+            </p:style>
+          </p:cxnSp>
+        </p:grpSp>
+        <p:sp>
+          <p:nvSpPr>
+            <p:cNvPr id="34" name="TekstSylinder 33"/>
+            <p:cNvSpPr txBox="1"/>
+            <p:nvPr/>
+          </p:nvSpPr>
+          <p:spPr>
+            <a:xfrm>
+              <a:off x="1227364" y="987222"/>
+              <a:ext cx="4199164" cy="276999"/>
+            </a:xfrm>
+            <a:prstGeom prst="rect">
+              <a:avLst/>
+            </a:prstGeom>
+            <a:noFill/>
+          </p:spPr>
+          <p:txBody>
+            <a:bodyPr wrap="square" rtlCol="0">
+              <a:spAutoFit/>
+            </a:bodyPr>
+            <a:lstStyle/>
+            <a:p>
+              <a:r>
+                <a:rPr lang="en-US" sz="1200" dirty="0"/>
+                <a:t>public static void main(String[] </a:t>
+              </a:r>
+              <a:r>
+                <a:rPr lang="en-US" sz="1200" dirty="0" err="1"/>
+                <a:t>args</a:t>
+              </a:r>
+              <a:r>
+                <a:rPr lang="en-US" sz="1200" dirty="0"/>
+                <a:t>)</a:t>
+              </a:r>
+              <a:endParaRPr lang="en-US" sz="1200" dirty="0"/>
+            </a:p>
+          </p:txBody>
+        </p:sp>
+      </p:grpSp>
+      <p:grpSp>
+        <p:nvGrpSpPr>
+          <p:cNvPr id="40" name="Gruppe 39"/>
+          <p:cNvGrpSpPr/>
+          <p:nvPr/>
+        </p:nvGrpSpPr>
+        <p:grpSpPr>
+          <a:xfrm>
+            <a:off x="6281055" y="1835723"/>
+            <a:ext cx="4460421" cy="276132"/>
+            <a:chOff x="966107" y="1133598"/>
+            <a:chExt cx="4460421" cy="1015663"/>
+          </a:xfrm>
+        </p:grpSpPr>
+        <p:sp>
+          <p:nvSpPr>
+            <p:cNvPr id="42" name="TekstSylinder 41"/>
+            <p:cNvSpPr txBox="1"/>
+            <p:nvPr/>
+          </p:nvSpPr>
+          <p:spPr>
+            <a:xfrm>
+              <a:off x="1227364" y="1133598"/>
+              <a:ext cx="4199164" cy="1015663"/>
+            </a:xfrm>
+            <a:prstGeom prst="rect">
+              <a:avLst/>
+            </a:prstGeom>
+            <a:noFill/>
+            <a:ln>
+              <a:solidFill>
+                <a:schemeClr val="accent1"/>
+              </a:solidFill>
+            </a:ln>
+          </p:spPr>
+          <p:txBody>
+            <a:bodyPr wrap="square" rtlCol="0">
+              <a:spAutoFit/>
+            </a:bodyPr>
+            <a:lstStyle/>
+            <a:p>
+              <a:endParaRPr lang="en-US" sz="1200" dirty="0"/>
+            </a:p>
+            <a:p>
+              <a:endParaRPr lang="en-US" sz="1200" dirty="0" smtClean="0"/>
+            </a:p>
+            <a:p>
+              <a:endParaRPr lang="en-US" sz="1200" dirty="0"/>
+            </a:p>
+            <a:p>
+              <a:endParaRPr lang="en-US" sz="1200" dirty="0"/>
+            </a:p>
+            <a:p>
+              <a:endParaRPr lang="en-US" sz="1200" dirty="0" smtClean="0"/>
+            </a:p>
+          </p:txBody>
+        </p:sp>
+        <p:cxnSp>
+          <p:nvCxnSpPr>
+            <p:cNvPr id="43" name="Rett linje 42"/>
+            <p:cNvCxnSpPr/>
+            <p:nvPr/>
+          </p:nvCxnSpPr>
+          <p:spPr>
+            <a:xfrm flipH="1">
+              <a:off x="966107" y="1133598"/>
+              <a:ext cx="457200" cy="0"/>
+            </a:xfrm>
+            <a:prstGeom prst="line">
+              <a:avLst/>
+            </a:prstGeom>
+            <a:ln>
+              <a:solidFill>
+                <a:schemeClr val="accent1"/>
+              </a:solidFill>
+            </a:ln>
+          </p:spPr>
+          <p:style>
+            <a:lnRef idx="1">
+              <a:schemeClr val="accent1"/>
+            </a:lnRef>
+            <a:fillRef idx="0">
+              <a:schemeClr val="accent1"/>
+            </a:fillRef>
+            <a:effectRef idx="0">
+              <a:schemeClr val="accent1"/>
+            </a:effectRef>
+            <a:fontRef idx="minor">
+              <a:schemeClr val="tx1"/>
+            </a:fontRef>
+          </p:style>
+        </p:cxnSp>
+      </p:grpSp>
+      <p:sp>
+        <p:nvSpPr>
+          <p:cNvPr id="41" name="TekstSylinder 40"/>
+          <p:cNvSpPr txBox="1"/>
+          <p:nvPr/>
+        </p:nvSpPr>
+        <p:spPr>
+          <a:xfrm>
+            <a:off x="6542312" y="1558722"/>
+            <a:ext cx="4199164" cy="276999"/>
+          </a:xfrm>
+          <a:prstGeom prst="rect">
+            <a:avLst/>
+          </a:prstGeom>
+          <a:noFill/>
+        </p:spPr>
+        <p:txBody>
+          <a:bodyPr wrap="square" rtlCol="0">
+            <a:spAutoFit/>
+          </a:bodyPr>
+          <a:lstStyle/>
+          <a:p>
+            <a:r>
+              <a:rPr lang="en-US" sz="1200" dirty="0"/>
+              <a:t>public </a:t>
+            </a:r>
+            <a:r>
+              <a:rPr lang="en-US" sz="1200" dirty="0" smtClean="0"/>
+              <a:t>void </a:t>
+            </a:r>
+            <a:r>
+              <a:rPr lang="en-US" sz="1200" dirty="0" err="1" smtClean="0"/>
+              <a:t>skrivUt</a:t>
+            </a:r>
+            <a:r>
+              <a:rPr lang="en-US" sz="1200" dirty="0" smtClean="0"/>
+              <a:t>()</a:t>
+            </a:r>
+            <a:endParaRPr lang="en-US" sz="1200" dirty="0"/>
+          </a:p>
+        </p:txBody>
+      </p:sp>
+      <p:grpSp>
+        <p:nvGrpSpPr>
+          <p:cNvPr id="45" name="Gruppe 44"/>
+          <p:cNvGrpSpPr/>
+          <p:nvPr/>
+        </p:nvGrpSpPr>
+        <p:grpSpPr>
+          <a:xfrm>
+            <a:off x="6308278" y="2497534"/>
+            <a:ext cx="4460421" cy="276132"/>
+            <a:chOff x="966107" y="1133598"/>
+            <a:chExt cx="4460421" cy="1015663"/>
+          </a:xfrm>
+        </p:grpSpPr>
+        <p:sp>
+          <p:nvSpPr>
+            <p:cNvPr id="47" name="TekstSylinder 46"/>
+            <p:cNvSpPr txBox="1"/>
+            <p:nvPr/>
+          </p:nvSpPr>
+          <p:spPr>
+            <a:xfrm>
+              <a:off x="1227364" y="1133598"/>
+              <a:ext cx="4199164" cy="1015663"/>
+            </a:xfrm>
+            <a:prstGeom prst="rect">
+              <a:avLst/>
+            </a:prstGeom>
+            <a:noFill/>
+            <a:ln>
+              <a:solidFill>
+                <a:schemeClr val="accent1"/>
+              </a:solidFill>
+            </a:ln>
+          </p:spPr>
+          <p:txBody>
+            <a:bodyPr wrap="square" rtlCol="0">
+              <a:spAutoFit/>
+            </a:bodyPr>
+            <a:lstStyle/>
+            <a:p>
+              <a:endParaRPr lang="en-US" sz="1200" dirty="0"/>
+            </a:p>
+            <a:p>
+              <a:endParaRPr lang="en-US" sz="1200" dirty="0" smtClean="0"/>
+            </a:p>
+            <a:p>
+              <a:endParaRPr lang="en-US" sz="1200" dirty="0"/>
+            </a:p>
+            <a:p>
+              <a:endParaRPr lang="en-US" sz="1200" dirty="0" smtClean="0"/>
+            </a:p>
+            <a:p>
+              <a:endParaRPr lang="en-US" sz="1200" dirty="0" smtClean="0"/>
+            </a:p>
+          </p:txBody>
+        </p:sp>
+        <p:cxnSp>
+          <p:nvCxnSpPr>
+            <p:cNvPr id="48" name="Rett linje 47"/>
+            <p:cNvCxnSpPr/>
+            <p:nvPr/>
+          </p:nvCxnSpPr>
+          <p:spPr>
+            <a:xfrm flipH="1">
+              <a:off x="966107" y="1133598"/>
+              <a:ext cx="457200" cy="0"/>
+            </a:xfrm>
+            <a:prstGeom prst="line">
+              <a:avLst/>
+            </a:prstGeom>
+            <a:ln>
+              <a:solidFill>
+                <a:schemeClr val="accent1"/>
+              </a:solidFill>
+            </a:ln>
+          </p:spPr>
+          <p:style>
+            <a:lnRef idx="1">
+              <a:schemeClr val="accent1"/>
+            </a:lnRef>
+            <a:fillRef idx="0">
+              <a:schemeClr val="accent1"/>
+            </a:fillRef>
+            <a:effectRef idx="0">
+              <a:schemeClr val="accent1"/>
+            </a:effectRef>
+            <a:fontRef idx="minor">
+              <a:schemeClr val="tx1"/>
+            </a:fontRef>
+          </p:style>
+        </p:cxnSp>
+      </p:grpSp>
+      <p:sp>
+        <p:nvSpPr>
+          <p:cNvPr id="46" name="TekstSylinder 45"/>
+          <p:cNvSpPr txBox="1"/>
+          <p:nvPr/>
+        </p:nvSpPr>
+        <p:spPr>
+          <a:xfrm>
+            <a:off x="6569535" y="2220533"/>
+            <a:ext cx="4199164" cy="276999"/>
+          </a:xfrm>
+          <a:prstGeom prst="rect">
+            <a:avLst/>
+          </a:prstGeom>
+          <a:noFill/>
+        </p:spPr>
+        <p:txBody>
+          <a:bodyPr wrap="square" rtlCol="0">
+            <a:spAutoFit/>
+          </a:bodyPr>
+          <a:lstStyle/>
+          <a:p>
+            <a:r>
+              <a:rPr lang="en-US" sz="1200" dirty="0"/>
+              <a:t>public </a:t>
+            </a:r>
+            <a:r>
+              <a:rPr lang="en-US" sz="1200" dirty="0" smtClean="0"/>
+              <a:t>String </a:t>
+            </a:r>
+            <a:r>
+              <a:rPr lang="en-US" sz="1200" dirty="0" err="1" smtClean="0"/>
+              <a:t>hentNummer</a:t>
+            </a:r>
+            <a:r>
+              <a:rPr lang="en-US" sz="1200" dirty="0" smtClean="0"/>
+              <a:t> ()</a:t>
+            </a:r>
+            <a:endParaRPr lang="en-US" sz="1200" dirty="0"/>
+          </a:p>
+        </p:txBody>
+      </p:sp>
+      <p:grpSp>
+        <p:nvGrpSpPr>
+          <p:cNvPr id="57" name="Gruppe 56"/>
+          <p:cNvGrpSpPr/>
+          <p:nvPr/>
+        </p:nvGrpSpPr>
+        <p:grpSpPr>
+          <a:xfrm>
+            <a:off x="3616784" y="1933990"/>
+            <a:ext cx="1128031" cy="704228"/>
+            <a:chOff x="6881133" y="2809100"/>
+            <a:chExt cx="1128031" cy="704228"/>
+          </a:xfrm>
+        </p:grpSpPr>
+        <p:sp>
+          <p:nvSpPr>
+            <p:cNvPr id="58" name="Rektangel 57"/>
+            <p:cNvSpPr/>
+            <p:nvPr/>
+          </p:nvSpPr>
+          <p:spPr>
+            <a:xfrm>
+              <a:off x="6988629" y="3086099"/>
+              <a:ext cx="1020535" cy="187779"/>
+            </a:xfrm>
+            <a:prstGeom prst="rect">
+              <a:avLst/>
+            </a:prstGeom>
+            <a:ln>
+              <a:solidFill>
+                <a:schemeClr val="accent1"/>
+              </a:solidFill>
+            </a:ln>
+          </p:spPr>
+          <p:style>
+            <a:lnRef idx="2">
+              <a:schemeClr val="dk1"/>
+            </a:lnRef>
+            <a:fillRef idx="1">
+              <a:schemeClr val="lt1"/>
+            </a:fillRef>
+            <a:effectRef idx="0">
+              <a:schemeClr val="dk1"/>
+            </a:effectRef>
+            <a:fontRef idx="minor">
+              <a:schemeClr val="dk1"/>
+            </a:fontRef>
+          </p:style>
+          <p:txBody>
+            <a:bodyPr rtlCol="0" anchor="ctr"/>
+            <a:lstStyle/>
+            <a:p>
+              <a:pPr algn="ctr"/>
+              <a:endParaRPr lang="nb-NO"/>
+            </a:p>
+          </p:txBody>
+        </p:sp>
+        <p:sp>
+          <p:nvSpPr>
+            <p:cNvPr id="59" name="TekstSylinder 58"/>
+            <p:cNvSpPr txBox="1"/>
+            <p:nvPr/>
+          </p:nvSpPr>
+          <p:spPr>
+            <a:xfrm>
+              <a:off x="6881133" y="2809100"/>
+              <a:ext cx="1020535" cy="276999"/>
+            </a:xfrm>
+            <a:prstGeom prst="rect">
+              <a:avLst/>
+            </a:prstGeom>
+            <a:noFill/>
+          </p:spPr>
+          <p:txBody>
+            <a:bodyPr wrap="square" rtlCol="0">
+              <a:spAutoFit/>
+            </a:bodyPr>
+            <a:lstStyle/>
+            <a:p>
+              <a:r>
+                <a:rPr lang="en-US" sz="1200" dirty="0" err="1"/>
+                <a:t>n</a:t>
+              </a:r>
+              <a:r>
+                <a:rPr lang="en-US" sz="1200" dirty="0" err="1" smtClean="0"/>
+                <a:t>avn</a:t>
+              </a:r>
+              <a:r>
+                <a:rPr lang="en-US" sz="1200" dirty="0" smtClean="0"/>
+                <a:t>: </a:t>
+              </a:r>
+              <a:r>
+                <a:rPr lang="en-US" sz="1200" dirty="0" err="1" smtClean="0"/>
+                <a:t>eier</a:t>
+              </a:r>
+              <a:endParaRPr lang="nb-NO" dirty="0"/>
+            </a:p>
+          </p:txBody>
+        </p:sp>
+        <p:sp>
+          <p:nvSpPr>
+            <p:cNvPr id="60" name="TekstSylinder 59"/>
+            <p:cNvSpPr txBox="1"/>
+            <p:nvPr/>
+          </p:nvSpPr>
+          <p:spPr>
+            <a:xfrm>
+              <a:off x="6881133" y="3236329"/>
+              <a:ext cx="1020535" cy="276999"/>
+            </a:xfrm>
+            <a:prstGeom prst="rect">
+              <a:avLst/>
+            </a:prstGeom>
+            <a:noFill/>
+          </p:spPr>
+          <p:txBody>
+            <a:bodyPr wrap="square" rtlCol="0">
+              <a:spAutoFit/>
+            </a:bodyPr>
+            <a:lstStyle/>
+            <a:p>
+              <a:r>
+                <a:rPr lang="en-US" sz="1200" dirty="0" smtClean="0"/>
+                <a:t>type: Person</a:t>
+              </a:r>
+              <a:endParaRPr lang="nb-NO" dirty="0"/>
+            </a:p>
+          </p:txBody>
+        </p:sp>
+      </p:grpSp>
+      <p:grpSp>
+        <p:nvGrpSpPr>
+          <p:cNvPr id="61" name="Gruppe 60"/>
+          <p:cNvGrpSpPr/>
+          <p:nvPr/>
+        </p:nvGrpSpPr>
+        <p:grpSpPr>
+          <a:xfrm>
+            <a:off x="3619500" y="1166854"/>
+            <a:ext cx="1118509" cy="720650"/>
+            <a:chOff x="6890655" y="2809100"/>
+            <a:chExt cx="1118509" cy="720650"/>
+          </a:xfrm>
+        </p:grpSpPr>
+        <p:sp>
+          <p:nvSpPr>
+            <p:cNvPr id="62" name="Rektangel 61"/>
+            <p:cNvSpPr/>
+            <p:nvPr/>
+          </p:nvSpPr>
+          <p:spPr>
+            <a:xfrm>
+              <a:off x="6988629" y="3086099"/>
+              <a:ext cx="1020535" cy="187779"/>
+            </a:xfrm>
+            <a:prstGeom prst="rect">
+              <a:avLst/>
+            </a:prstGeom>
+            <a:ln>
+              <a:solidFill>
+                <a:schemeClr val="accent1"/>
+              </a:solidFill>
+            </a:ln>
+          </p:spPr>
+          <p:style>
+            <a:lnRef idx="2">
+              <a:schemeClr val="dk1"/>
+            </a:lnRef>
+            <a:fillRef idx="1">
+              <a:schemeClr val="lt1"/>
+            </a:fillRef>
+            <a:effectRef idx="0">
+              <a:schemeClr val="dk1"/>
+            </a:effectRef>
+            <a:fontRef idx="minor">
+              <a:schemeClr val="dk1"/>
+            </a:fontRef>
+          </p:style>
+          <p:txBody>
+            <a:bodyPr rtlCol="0" anchor="ctr"/>
+            <a:lstStyle/>
+            <a:p>
+              <a:pPr algn="ctr"/>
+              <a:endParaRPr lang="nb-NO"/>
+            </a:p>
+          </p:txBody>
+        </p:sp>
+        <p:sp>
+          <p:nvSpPr>
+            <p:cNvPr id="63" name="TekstSylinder 62"/>
+            <p:cNvSpPr txBox="1"/>
+            <p:nvPr/>
+          </p:nvSpPr>
+          <p:spPr>
+            <a:xfrm>
+              <a:off x="6890655" y="2809100"/>
+              <a:ext cx="1020535" cy="276999"/>
+            </a:xfrm>
+            <a:prstGeom prst="rect">
+              <a:avLst/>
+            </a:prstGeom>
+            <a:noFill/>
+          </p:spPr>
+          <p:txBody>
+            <a:bodyPr wrap="square" rtlCol="0">
+              <a:spAutoFit/>
+            </a:bodyPr>
+            <a:lstStyle/>
+            <a:p>
+              <a:r>
+                <a:rPr lang="en-US" sz="1200" dirty="0" err="1"/>
+                <a:t>n</a:t>
+              </a:r>
+              <a:r>
+                <a:rPr lang="en-US" sz="1200" dirty="0" err="1" smtClean="0"/>
+                <a:t>avn</a:t>
+              </a:r>
+              <a:r>
+                <a:rPr lang="en-US" sz="1200" dirty="0" smtClean="0"/>
+                <a:t>: </a:t>
+              </a:r>
+              <a:r>
+                <a:rPr lang="en-US" sz="1200" dirty="0" err="1" smtClean="0"/>
+                <a:t>bil</a:t>
+              </a:r>
+              <a:endParaRPr lang="nb-NO" dirty="0"/>
+            </a:p>
+          </p:txBody>
+        </p:sp>
+        <p:sp>
+          <p:nvSpPr>
+            <p:cNvPr id="64" name="TekstSylinder 63"/>
+            <p:cNvSpPr txBox="1"/>
+            <p:nvPr/>
+          </p:nvSpPr>
+          <p:spPr>
+            <a:xfrm>
+              <a:off x="6890655" y="3252751"/>
+              <a:ext cx="1020535" cy="276999"/>
+            </a:xfrm>
+            <a:prstGeom prst="rect">
+              <a:avLst/>
+            </a:prstGeom>
+            <a:noFill/>
+          </p:spPr>
+          <p:txBody>
+            <a:bodyPr wrap="square" rtlCol="0">
+              <a:spAutoFit/>
+            </a:bodyPr>
+            <a:lstStyle/>
+            <a:p>
+              <a:r>
+                <a:rPr lang="en-US" sz="1200" dirty="0" smtClean="0"/>
+                <a:t>type: Bil3</a:t>
+              </a:r>
+              <a:endParaRPr lang="nb-NO" dirty="0"/>
+            </a:p>
+          </p:txBody>
+        </p:sp>
+      </p:grpSp>
+      <p:grpSp>
+        <p:nvGrpSpPr>
+          <p:cNvPr id="65" name="Gruppe 64"/>
+          <p:cNvGrpSpPr/>
+          <p:nvPr/>
+        </p:nvGrpSpPr>
+        <p:grpSpPr>
+          <a:xfrm>
+            <a:off x="9089552" y="911017"/>
+            <a:ext cx="1556674" cy="711725"/>
+            <a:chOff x="6928145" y="2810890"/>
+            <a:chExt cx="1081019" cy="711725"/>
+          </a:xfrm>
+        </p:grpSpPr>
+        <p:sp>
+          <p:nvSpPr>
+            <p:cNvPr id="66" name="Rektangel 65"/>
+            <p:cNvSpPr/>
+            <p:nvPr/>
+          </p:nvSpPr>
+          <p:spPr>
+            <a:xfrm>
+              <a:off x="6988629" y="3086099"/>
+              <a:ext cx="1020535" cy="187779"/>
+            </a:xfrm>
+            <a:prstGeom prst="rect">
+              <a:avLst/>
+            </a:prstGeom>
+            <a:ln>
+              <a:solidFill>
+                <a:schemeClr val="accent1"/>
+              </a:solidFill>
+            </a:ln>
+          </p:spPr>
+          <p:style>
+            <a:lnRef idx="2">
+              <a:schemeClr val="dk1"/>
+            </a:lnRef>
+            <a:fillRef idx="1">
+              <a:schemeClr val="lt1"/>
+            </a:fillRef>
+            <a:effectRef idx="0">
+              <a:schemeClr val="dk1"/>
+            </a:effectRef>
+            <a:fontRef idx="minor">
+              <a:schemeClr val="dk1"/>
+            </a:fontRef>
+          </p:style>
+          <p:txBody>
+            <a:bodyPr rtlCol="0" anchor="ctr"/>
+            <a:lstStyle/>
+            <a:p>
+              <a:pPr algn="ctr"/>
+              <a:r>
+                <a:rPr lang="en-US" sz="1200" dirty="0" smtClean="0"/>
+                <a:t>YE23456</a:t>
+              </a:r>
+              <a:endParaRPr lang="nb-NO" sz="1200" dirty="0"/>
+            </a:p>
+          </p:txBody>
+        </p:sp>
+        <p:sp>
+          <p:nvSpPr>
+            <p:cNvPr id="67" name="TekstSylinder 66"/>
+            <p:cNvSpPr txBox="1"/>
+            <p:nvPr/>
+          </p:nvSpPr>
+          <p:spPr>
+            <a:xfrm>
+              <a:off x="6928146" y="2810890"/>
+              <a:ext cx="1020535" cy="276999"/>
+            </a:xfrm>
+            <a:prstGeom prst="rect">
+              <a:avLst/>
+            </a:prstGeom>
+            <a:noFill/>
+          </p:spPr>
+          <p:txBody>
+            <a:bodyPr wrap="square" rtlCol="0">
+              <a:spAutoFit/>
+            </a:bodyPr>
+            <a:lstStyle/>
+            <a:p>
+              <a:r>
+                <a:rPr lang="en-US" sz="1200" dirty="0" err="1"/>
+                <a:t>n</a:t>
+              </a:r>
+              <a:r>
+                <a:rPr lang="en-US" sz="1200" dirty="0" err="1" smtClean="0"/>
+                <a:t>avn</a:t>
+              </a:r>
+              <a:r>
+                <a:rPr lang="en-US" sz="1200" dirty="0" smtClean="0"/>
+                <a:t>: </a:t>
+              </a:r>
+              <a:r>
+                <a:rPr lang="en-US" sz="1200" dirty="0" err="1" smtClean="0"/>
+                <a:t>bilNummer</a:t>
+              </a:r>
+              <a:endParaRPr lang="nb-NO" dirty="0"/>
+            </a:p>
+          </p:txBody>
+        </p:sp>
+        <p:sp>
+          <p:nvSpPr>
+            <p:cNvPr id="68" name="TekstSylinder 67"/>
+            <p:cNvSpPr txBox="1"/>
+            <p:nvPr/>
+          </p:nvSpPr>
+          <p:spPr>
+            <a:xfrm>
+              <a:off x="6928145" y="3245616"/>
+              <a:ext cx="1020535" cy="276999"/>
+            </a:xfrm>
+            <a:prstGeom prst="rect">
+              <a:avLst/>
+            </a:prstGeom>
+            <a:noFill/>
+          </p:spPr>
+          <p:txBody>
+            <a:bodyPr wrap="square" rtlCol="0">
+              <a:spAutoFit/>
+            </a:bodyPr>
+            <a:lstStyle/>
+            <a:p>
+              <a:r>
+                <a:rPr lang="en-US" sz="1200" dirty="0" smtClean="0"/>
+                <a:t>type: String</a:t>
+              </a:r>
+              <a:endParaRPr lang="nb-NO" dirty="0"/>
+            </a:p>
+          </p:txBody>
+        </p:sp>
+      </p:grpSp>
+      <p:grpSp>
+        <p:nvGrpSpPr>
+          <p:cNvPr id="69" name="Gruppe 68"/>
+          <p:cNvGrpSpPr/>
+          <p:nvPr/>
+        </p:nvGrpSpPr>
+        <p:grpSpPr>
+          <a:xfrm>
+            <a:off x="6323249" y="4447461"/>
+            <a:ext cx="1020537" cy="709707"/>
+            <a:chOff x="6988627" y="2809100"/>
+            <a:chExt cx="1020537" cy="709707"/>
+          </a:xfrm>
+        </p:grpSpPr>
+        <p:sp>
+          <p:nvSpPr>
+            <p:cNvPr id="70" name="Rektangel 69"/>
+            <p:cNvSpPr/>
+            <p:nvPr/>
+          </p:nvSpPr>
+          <p:spPr>
+            <a:xfrm>
+              <a:off x="6988629" y="3086099"/>
+              <a:ext cx="1020535" cy="187779"/>
+            </a:xfrm>
+            <a:prstGeom prst="rect">
+              <a:avLst/>
+            </a:prstGeom>
+            <a:ln>
+              <a:solidFill>
+                <a:schemeClr val="accent1"/>
+              </a:solidFill>
+            </a:ln>
+          </p:spPr>
+          <p:style>
+            <a:lnRef idx="2">
+              <a:schemeClr val="dk1"/>
+            </a:lnRef>
+            <a:fillRef idx="1">
+              <a:schemeClr val="lt1"/>
+            </a:fillRef>
+            <a:effectRef idx="0">
+              <a:schemeClr val="dk1"/>
+            </a:effectRef>
+            <a:fontRef idx="minor">
+              <a:schemeClr val="dk1"/>
+            </a:fontRef>
+          </p:style>
+          <p:txBody>
+            <a:bodyPr rtlCol="0" anchor="ctr"/>
+            <a:lstStyle/>
+            <a:p>
+              <a:pPr algn="ctr"/>
+              <a:endParaRPr lang="nb-NO"/>
+            </a:p>
+          </p:txBody>
+        </p:sp>
+        <p:sp>
+          <p:nvSpPr>
+            <p:cNvPr id="71" name="TekstSylinder 70"/>
+            <p:cNvSpPr txBox="1"/>
+            <p:nvPr/>
+          </p:nvSpPr>
+          <p:spPr>
+            <a:xfrm>
+              <a:off x="6988627" y="2809100"/>
+              <a:ext cx="1020535" cy="276999"/>
+            </a:xfrm>
+            <a:prstGeom prst="rect">
+              <a:avLst/>
+            </a:prstGeom>
+            <a:noFill/>
+          </p:spPr>
+          <p:txBody>
+            <a:bodyPr wrap="square" rtlCol="0">
+              <a:spAutoFit/>
+            </a:bodyPr>
+            <a:lstStyle/>
+            <a:p>
+              <a:r>
+                <a:rPr lang="en-US" sz="1200" dirty="0" err="1"/>
+                <a:t>n</a:t>
+              </a:r>
+              <a:r>
+                <a:rPr lang="en-US" sz="1200" dirty="0" err="1" smtClean="0"/>
+                <a:t>avn</a:t>
+              </a:r>
+              <a:r>
+                <a:rPr lang="en-US" sz="1200" dirty="0" smtClean="0"/>
+                <a:t>: </a:t>
+              </a:r>
+              <a:r>
+                <a:rPr lang="en-US" sz="1200" dirty="0" err="1" smtClean="0"/>
+                <a:t>bil</a:t>
+              </a:r>
+              <a:endParaRPr lang="nb-NO" dirty="0"/>
+            </a:p>
+          </p:txBody>
+        </p:sp>
+        <p:sp>
+          <p:nvSpPr>
+            <p:cNvPr id="72" name="TekstSylinder 71"/>
+            <p:cNvSpPr txBox="1"/>
+            <p:nvPr/>
+          </p:nvSpPr>
+          <p:spPr>
+            <a:xfrm>
+              <a:off x="6988628" y="3241808"/>
+              <a:ext cx="1020535" cy="276999"/>
+            </a:xfrm>
+            <a:prstGeom prst="rect">
+              <a:avLst/>
+            </a:prstGeom>
+            <a:noFill/>
+          </p:spPr>
+          <p:txBody>
+            <a:bodyPr wrap="square" rtlCol="0">
+              <a:spAutoFit/>
+            </a:bodyPr>
+            <a:lstStyle/>
+            <a:p>
+              <a:r>
+                <a:rPr lang="en-US" sz="1200" dirty="0" smtClean="0"/>
+                <a:t>type: Bil3</a:t>
+              </a:r>
+              <a:endParaRPr lang="nb-NO" dirty="0"/>
+            </a:p>
+          </p:txBody>
+        </p:sp>
+      </p:grpSp>
+      <p:grpSp>
+        <p:nvGrpSpPr>
+          <p:cNvPr id="76" name="Gruppe 75"/>
+          <p:cNvGrpSpPr/>
+          <p:nvPr/>
+        </p:nvGrpSpPr>
+        <p:grpSpPr>
+          <a:xfrm>
+            <a:off x="3862394" y="4463495"/>
+            <a:ext cx="1020537" cy="709707"/>
+            <a:chOff x="6988627" y="2809100"/>
+            <a:chExt cx="1020537" cy="709707"/>
+          </a:xfrm>
+        </p:grpSpPr>
+        <p:sp>
+          <p:nvSpPr>
+            <p:cNvPr id="77" name="Rektangel 76"/>
+            <p:cNvSpPr/>
+            <p:nvPr/>
+          </p:nvSpPr>
+          <p:spPr>
+            <a:xfrm>
+              <a:off x="6988629" y="3086099"/>
+              <a:ext cx="1020535" cy="187779"/>
+            </a:xfrm>
+            <a:prstGeom prst="rect">
+              <a:avLst/>
+            </a:prstGeom>
+            <a:ln>
+              <a:solidFill>
+                <a:schemeClr val="accent1"/>
+              </a:solidFill>
+            </a:ln>
+          </p:spPr>
+          <p:style>
+            <a:lnRef idx="2">
+              <a:schemeClr val="dk1"/>
+            </a:lnRef>
+            <a:fillRef idx="1">
+              <a:schemeClr val="lt1"/>
+            </a:fillRef>
+            <a:effectRef idx="0">
+              <a:schemeClr val="dk1"/>
+            </a:effectRef>
+            <a:fontRef idx="minor">
+              <a:schemeClr val="dk1"/>
+            </a:fontRef>
+          </p:style>
+          <p:txBody>
+            <a:bodyPr rtlCol="0" anchor="ctr"/>
+            <a:lstStyle/>
+            <a:p>
+              <a:pPr algn="ctr"/>
+              <a:r>
+                <a:rPr lang="en-US" sz="1200" dirty="0" smtClean="0"/>
+                <a:t>Ola Dunk</a:t>
+              </a:r>
+              <a:endParaRPr lang="nb-NO" sz="1200" dirty="0"/>
+            </a:p>
+          </p:txBody>
+        </p:sp>
+        <p:sp>
+          <p:nvSpPr>
+            <p:cNvPr id="78" name="TekstSylinder 77"/>
+            <p:cNvSpPr txBox="1"/>
+            <p:nvPr/>
+          </p:nvSpPr>
+          <p:spPr>
+            <a:xfrm>
+              <a:off x="6988627" y="2809100"/>
+              <a:ext cx="1020535" cy="276999"/>
+            </a:xfrm>
+            <a:prstGeom prst="rect">
+              <a:avLst/>
+            </a:prstGeom>
+            <a:noFill/>
+          </p:spPr>
+          <p:txBody>
+            <a:bodyPr wrap="square" rtlCol="0">
+              <a:spAutoFit/>
+            </a:bodyPr>
+            <a:lstStyle/>
+            <a:p>
+              <a:r>
+                <a:rPr lang="en-US" sz="1200" dirty="0" err="1"/>
+                <a:t>n</a:t>
+              </a:r>
+              <a:r>
+                <a:rPr lang="en-US" sz="1200" dirty="0" err="1" smtClean="0"/>
+                <a:t>avn</a:t>
+              </a:r>
+              <a:r>
+                <a:rPr lang="en-US" sz="1200" dirty="0" smtClean="0"/>
+                <a:t>: </a:t>
+              </a:r>
+              <a:r>
+                <a:rPr lang="en-US" sz="1200" dirty="0" err="1" smtClean="0"/>
+                <a:t>navn</a:t>
+              </a:r>
+              <a:endParaRPr lang="nb-NO" dirty="0"/>
+            </a:p>
+          </p:txBody>
+        </p:sp>
+        <p:sp>
+          <p:nvSpPr>
+            <p:cNvPr id="79" name="TekstSylinder 78"/>
+            <p:cNvSpPr txBox="1"/>
+            <p:nvPr/>
+          </p:nvSpPr>
+          <p:spPr>
+            <a:xfrm>
+              <a:off x="6988628" y="3241808"/>
+              <a:ext cx="1020535" cy="276999"/>
+            </a:xfrm>
+            <a:prstGeom prst="rect">
+              <a:avLst/>
+            </a:prstGeom>
+            <a:noFill/>
+          </p:spPr>
+          <p:txBody>
+            <a:bodyPr wrap="square" rtlCol="0">
+              <a:spAutoFit/>
+            </a:bodyPr>
+            <a:lstStyle/>
+            <a:p>
+              <a:r>
+                <a:rPr lang="en-US" sz="1200" dirty="0" smtClean="0"/>
+                <a:t>type: String</a:t>
+              </a:r>
+              <a:endParaRPr lang="nb-NO" dirty="0"/>
+            </a:p>
+          </p:txBody>
+        </p:sp>
+      </p:grpSp>
+      <p:cxnSp>
+        <p:nvCxnSpPr>
+          <p:cNvPr id="81" name="Rett pilkobling 80"/>
+          <p:cNvCxnSpPr>
+            <a:stCxn id="62" idx="3"/>
+          </p:cNvCxnSpPr>
+          <p:nvPr/>
+        </p:nvCxnSpPr>
+        <p:spPr>
+          <a:xfrm flipV="1">
+            <a:off x="4738009" y="1533343"/>
+            <a:ext cx="1621956" cy="4400"/>
+          </a:xfrm>
+          <a:prstGeom prst="straightConnector1">
+            <a:avLst/>
+          </a:prstGeom>
+          <a:ln w="12700">
+            <a:solidFill>
+              <a:schemeClr val="tx1"/>
+            </a:solidFill>
+            <a:tailEnd type="triangle"/>
+          </a:ln>
+        </p:spPr>
+        <p:style>
+          <a:lnRef idx="1">
+            <a:schemeClr val="accent1"/>
+          </a:lnRef>
+          <a:fillRef idx="0">
+            <a:schemeClr val="accent1"/>
+          </a:fillRef>
+          <a:effectRef idx="0">
+            <a:schemeClr val="accent1"/>
+          </a:effectRef>
+          <a:fontRef idx="minor">
+            <a:schemeClr val="tx1"/>
+          </a:fontRef>
+        </p:style>
+      </p:cxnSp>
+      <p:cxnSp>
+        <p:nvCxnSpPr>
+          <p:cNvPr id="82" name="Rett pilkobling 81"/>
+          <p:cNvCxnSpPr>
+            <a:stCxn id="70" idx="3"/>
+          </p:cNvCxnSpPr>
+          <p:nvPr/>
+        </p:nvCxnSpPr>
+        <p:spPr>
+          <a:xfrm flipV="1">
+            <a:off x="7343786" y="3249974"/>
+            <a:ext cx="1057264" cy="1568376"/>
+          </a:xfrm>
+          <a:prstGeom prst="straightConnector1">
+            <a:avLst/>
+          </a:prstGeom>
+          <a:ln w="12700">
+            <a:solidFill>
+              <a:schemeClr val="tx1"/>
+            </a:solidFill>
+            <a:tailEnd type="triangle"/>
+          </a:ln>
+        </p:spPr>
+        <p:style>
+          <a:lnRef idx="1">
+            <a:schemeClr val="accent1"/>
+          </a:lnRef>
+          <a:fillRef idx="0">
+            <a:schemeClr val="accent1"/>
+          </a:fillRef>
+          <a:effectRef idx="0">
+            <a:schemeClr val="accent1"/>
+          </a:effectRef>
+          <a:fontRef idx="minor">
+            <a:schemeClr val="tx1"/>
+          </a:fontRef>
+        </p:style>
+      </p:cxnSp>
+      <p:cxnSp>
+        <p:nvCxnSpPr>
+          <p:cNvPr id="88" name="Rett pilkobling 87"/>
+          <p:cNvCxnSpPr>
+            <a:stCxn id="58" idx="3"/>
+          </p:cNvCxnSpPr>
+          <p:nvPr/>
+        </p:nvCxnSpPr>
+        <p:spPr>
+          <a:xfrm>
+            <a:off x="4744815" y="2304879"/>
+            <a:ext cx="822550" cy="1875381"/>
+          </a:xfrm>
+          <a:prstGeom prst="straightConnector1">
+            <a:avLst/>
+          </a:prstGeom>
+          <a:ln w="12700">
+            <a:solidFill>
+              <a:schemeClr val="tx1"/>
+            </a:solidFill>
+            <a:tailEnd type="triangle"/>
+          </a:ln>
+        </p:spPr>
+        <p:style>
+          <a:lnRef idx="1">
+            <a:schemeClr val="accent1"/>
+          </a:lnRef>
+          <a:fillRef idx="0">
+            <a:schemeClr val="accent1"/>
+          </a:fillRef>
+          <a:effectRef idx="0">
+            <a:schemeClr val="accent1"/>
+          </a:effectRef>
+          <a:fontRef idx="minor">
+            <a:schemeClr val="tx1"/>
+          </a:fontRef>
+        </p:style>
+      </p:cxnSp>
+      <p:grpSp>
+        <p:nvGrpSpPr>
+          <p:cNvPr id="96" name="Gruppe 95"/>
+          <p:cNvGrpSpPr/>
+          <p:nvPr/>
+        </p:nvGrpSpPr>
+        <p:grpSpPr>
+          <a:xfrm>
+            <a:off x="3292935" y="5581989"/>
+            <a:ext cx="4460421" cy="276132"/>
+            <a:chOff x="966107" y="1133598"/>
+            <a:chExt cx="4460421" cy="1015663"/>
+          </a:xfrm>
+        </p:grpSpPr>
+        <p:sp>
+          <p:nvSpPr>
+            <p:cNvPr id="97" name="TekstSylinder 96"/>
+            <p:cNvSpPr txBox="1"/>
+            <p:nvPr/>
+          </p:nvSpPr>
+          <p:spPr>
+            <a:xfrm>
+              <a:off x="1227364" y="1133598"/>
+              <a:ext cx="4199164" cy="1015663"/>
+            </a:xfrm>
+            <a:prstGeom prst="rect">
+              <a:avLst/>
+            </a:prstGeom>
+            <a:noFill/>
+            <a:ln>
+              <a:solidFill>
+                <a:schemeClr val="accent1"/>
+              </a:solidFill>
+            </a:ln>
+          </p:spPr>
+          <p:txBody>
+            <a:bodyPr wrap="square" rtlCol="0">
+              <a:spAutoFit/>
+            </a:bodyPr>
+            <a:lstStyle/>
+            <a:p>
+              <a:endParaRPr lang="en-US" sz="1200" dirty="0"/>
+            </a:p>
+            <a:p>
+              <a:endParaRPr lang="en-US" sz="1200" dirty="0" smtClean="0"/>
+            </a:p>
+            <a:p>
+              <a:endParaRPr lang="en-US" sz="1200" dirty="0"/>
+            </a:p>
+            <a:p>
+              <a:endParaRPr lang="en-US" sz="1200" dirty="0" smtClean="0"/>
+            </a:p>
+            <a:p>
+              <a:endParaRPr lang="en-US" sz="1200" dirty="0" smtClean="0"/>
+            </a:p>
+          </p:txBody>
+        </p:sp>
+        <p:cxnSp>
+          <p:nvCxnSpPr>
+            <p:cNvPr id="98" name="Rett linje 97"/>
+            <p:cNvCxnSpPr/>
+            <p:nvPr/>
+          </p:nvCxnSpPr>
+          <p:spPr>
+            <a:xfrm flipH="1">
+              <a:off x="966107" y="1133598"/>
+              <a:ext cx="457200" cy="0"/>
+            </a:xfrm>
+            <a:prstGeom prst="line">
+              <a:avLst/>
+            </a:prstGeom>
+            <a:ln>
+              <a:solidFill>
+                <a:schemeClr val="accent1"/>
+              </a:solidFill>
+            </a:ln>
+          </p:spPr>
+          <p:style>
+            <a:lnRef idx="1">
+              <a:schemeClr val="accent1"/>
+            </a:lnRef>
+            <a:fillRef idx="0">
+              <a:schemeClr val="accent1"/>
+            </a:fillRef>
+            <a:effectRef idx="0">
+              <a:schemeClr val="accent1"/>
+            </a:effectRef>
+            <a:fontRef idx="minor">
+              <a:schemeClr val="tx1"/>
+            </a:fontRef>
+          </p:style>
+        </p:cxnSp>
+      </p:grpSp>
+      <p:sp>
+        <p:nvSpPr>
+          <p:cNvPr id="99" name="TekstSylinder 98"/>
+          <p:cNvSpPr txBox="1"/>
+          <p:nvPr/>
+        </p:nvSpPr>
+        <p:spPr>
+          <a:xfrm>
+            <a:off x="3554192" y="5304988"/>
+            <a:ext cx="4199164" cy="276999"/>
+          </a:xfrm>
+          <a:prstGeom prst="rect">
+            <a:avLst/>
+          </a:prstGeom>
+          <a:noFill/>
+        </p:spPr>
+        <p:txBody>
+          <a:bodyPr wrap="square" rtlCol="0">
+            <a:spAutoFit/>
+          </a:bodyPr>
+          <a:lstStyle/>
+          <a:p>
+            <a:r>
+              <a:rPr lang="en-US" sz="1200" dirty="0"/>
+              <a:t>public </a:t>
+            </a:r>
+            <a:r>
+              <a:rPr lang="en-US" sz="1200" dirty="0" smtClean="0"/>
+              <a:t>void </a:t>
+            </a:r>
+            <a:r>
+              <a:rPr lang="en-US" sz="1200" dirty="0" err="1" smtClean="0"/>
+              <a:t>skrivUtBilNummer</a:t>
+            </a:r>
+            <a:r>
+              <a:rPr lang="en-US" sz="1200" dirty="0" smtClean="0"/>
+              <a:t>()</a:t>
+            </a:r>
+            <a:endParaRPr lang="en-US" sz="1200" dirty="0"/>
+          </a:p>
+        </p:txBody>
+      </p:sp>
+    </p:spTree>
+    <p:extLst>
+      <p:ext uri="{BB962C8B-B14F-4D97-AF65-F5344CB8AC3E}">
+        <p14:creationId xmlns:p14="http://schemas.microsoft.com/office/powerpoint/2010/main" val="4162232028"/>
+      </p:ext>
+    </p:extLst>
+  </p:cSld>
+  <p:clrMapOvr>
+    <a:masterClrMapping/>
+  </p:clrMapOvr>
+</p:sld>
+</file>
+
 <file path=ppt/theme/theme1.xml><?xml version="1.0" encoding="utf-8"?>
 <a:theme xmlns:a="http://schemas.openxmlformats.org/drawingml/2006/main" name="Office-tema">
   <a:themeElements>
